--- a/slides/FINAL_PRESENTATION-2022.pptx
+++ b/slides/FINAL_PRESENTATION-2022.pptx
@@ -4846,7 +4846,7 @@
         <p:spPr>
           <a:xfrm>
             <a:off x="4777099" y="2477040"/>
-            <a:ext cx="6611300" cy="3600986"/>
+            <a:ext cx="6611300" cy="3785652"/>
           </a:xfrm>
           <a:prstGeom prst="rect">
             <a:avLst/>
@@ -5085,11 +5085,75 @@
             </a:r>
             <a:r>
               <a:rPr lang="ca-ES" sz="1200" dirty="0" err="1"/>
-              <a:t>vegan</a:t>
+              <a:t>carnivore</a:t>
             </a:r>
             <a:r>
               <a:rPr lang="ca-ES" sz="1200" dirty="0"/>
-              <a:t>. </a:t>
+              <a:t> to </a:t>
+            </a:r>
+            <a:r>
+              <a:rPr lang="ca-ES" sz="1200" dirty="0" err="1"/>
+              <a:t>save</a:t>
+            </a:r>
+            <a:r>
+              <a:rPr lang="ca-ES" sz="1200" dirty="0"/>
+              <a:t> </a:t>
+            </a:r>
+            <a:r>
+              <a:rPr lang="ca-ES" sz="1200" dirty="0" err="1"/>
+              <a:t>even</a:t>
+            </a:r>
+            <a:r>
+              <a:rPr lang="ca-ES" sz="1200" dirty="0"/>
+              <a:t> </a:t>
+            </a:r>
+            <a:r>
+              <a:rPr lang="ca-ES" sz="1200" dirty="0" err="1"/>
+              <a:t>more</a:t>
+            </a:r>
+            <a:r>
+              <a:rPr lang="ca-ES" sz="1200" dirty="0"/>
+              <a:t> plants </a:t>
+            </a:r>
+            <a:r>
+              <a:rPr lang="ca-ES" sz="1200" dirty="0" err="1"/>
+              <a:t>and</a:t>
+            </a:r>
+            <a:r>
+              <a:rPr lang="ca-ES" sz="1200" dirty="0"/>
+              <a:t> </a:t>
+            </a:r>
+            <a:r>
+              <a:rPr lang="ca-ES" sz="1200" dirty="0" err="1"/>
+              <a:t>additionaly</a:t>
+            </a:r>
+            <a:r>
+              <a:rPr lang="ca-ES" sz="1200" dirty="0"/>
+              <a:t> </a:t>
+            </a:r>
+            <a:r>
+              <a:rPr lang="ca-ES" sz="1200" dirty="0" err="1"/>
+              <a:t>eat</a:t>
+            </a:r>
+            <a:r>
+              <a:rPr lang="ca-ES" sz="1200" dirty="0"/>
+              <a:t> animals </a:t>
+            </a:r>
+            <a:r>
+              <a:rPr lang="ca-ES" sz="1200" dirty="0" err="1"/>
+              <a:t>that</a:t>
+            </a:r>
+            <a:r>
+              <a:rPr lang="ca-ES" sz="1200" dirty="0"/>
+              <a:t> </a:t>
+            </a:r>
+            <a:r>
+              <a:rPr lang="ca-ES" sz="1200" dirty="0" err="1"/>
+              <a:t>feed</a:t>
+            </a:r>
+            <a:r>
+              <a:rPr lang="ca-ES" sz="1200" dirty="0"/>
+              <a:t> on plants. </a:t>
             </a:r>
             <a:r>
               <a:rPr lang="ca-ES" sz="1200" dirty="0" err="1"/>
